--- a/presentation/MajorDemo2_ppt.pptx
+++ b/presentation/MajorDemo2_ppt.pptx
@@ -230,7 +230,7 @@
           <a:p>
             <a:fld id="{0D041FD0-D915-4EC7-8384-5AFD352B34A1}" type="datetimeFigureOut">
               <a:rPr lang="en-US" smtClean="0"/>
-              <a:t>11/4/24</a:t>
+              <a:t>12/2/24</a:t>
             </a:fld>
             <a:endParaRPr lang="en-US"/>
           </a:p>
@@ -6061,7 +6061,7 @@
           <a:p>
             <a:fld id="{02AC24A9-CCB6-4F8D-B8DB-C2F3692CFA5A}" type="datetimeFigureOut">
               <a:rPr lang="en-US" smtClean="0"/>
-              <a:t>11/4/24</a:t>
+              <a:t>12/2/24</a:t>
             </a:fld>
             <a:endParaRPr lang="en-US" dirty="0"/>
           </a:p>
@@ -6431,7 +6431,7 @@
           <a:p>
             <a:fld id="{02AC24A9-CCB6-4F8D-B8DB-C2F3692CFA5A}" type="datetimeFigureOut">
               <a:rPr lang="en-US" smtClean="0"/>
-              <a:t>11/4/24</a:t>
+              <a:t>12/2/24</a:t>
             </a:fld>
             <a:endParaRPr lang="en-US"/>
           </a:p>
@@ -6640,7 +6640,7 @@
           <a:p>
             <a:fld id="{02AC24A9-CCB6-4F8D-B8DB-C2F3692CFA5A}" type="datetimeFigureOut">
               <a:rPr lang="en-US" smtClean="0"/>
-              <a:t>11/4/24</a:t>
+              <a:t>12/2/24</a:t>
             </a:fld>
             <a:endParaRPr lang="en-US"/>
           </a:p>
@@ -7112,7 +7112,7 @@
           <a:p>
             <a:fld id="{02AC24A9-CCB6-4F8D-B8DB-C2F3692CFA5A}" type="datetimeFigureOut">
               <a:rPr lang="en-US" smtClean="0"/>
-              <a:t>11/4/24</a:t>
+              <a:t>12/2/24</a:t>
             </a:fld>
             <a:endParaRPr lang="en-US"/>
           </a:p>
@@ -7567,7 +7567,7 @@
           <a:p>
             <a:fld id="{02AC24A9-CCB6-4F8D-B8DB-C2F3692CFA5A}" type="datetimeFigureOut">
               <a:rPr lang="en-US" smtClean="0"/>
-              <a:t>11/4/24</a:t>
+              <a:t>12/2/24</a:t>
             </a:fld>
             <a:endParaRPr lang="en-US"/>
           </a:p>
@@ -8102,7 +8102,7 @@
           <a:p>
             <a:fld id="{02AC24A9-CCB6-4F8D-B8DB-C2F3692CFA5A}" type="datetimeFigureOut">
               <a:rPr lang="en-US" smtClean="0"/>
-              <a:t>11/4/24</a:t>
+              <a:t>12/2/24</a:t>
             </a:fld>
             <a:endParaRPr lang="en-US"/>
           </a:p>
@@ -8804,7 +8804,7 @@
           <a:p>
             <a:fld id="{02AC24A9-CCB6-4F8D-B8DB-C2F3692CFA5A}" type="datetimeFigureOut">
               <a:rPr lang="en-US" smtClean="0"/>
-              <a:t>11/4/24</a:t>
+              <a:t>12/2/24</a:t>
             </a:fld>
             <a:endParaRPr lang="en-US"/>
           </a:p>
@@ -9134,7 +9134,7 @@
           <a:p>
             <a:fld id="{02AC24A9-CCB6-4F8D-B8DB-C2F3692CFA5A}" type="datetimeFigureOut">
               <a:rPr lang="en-US" smtClean="0"/>
-              <a:t>11/4/24</a:t>
+              <a:t>12/2/24</a:t>
             </a:fld>
             <a:endParaRPr lang="en-US"/>
           </a:p>
@@ -9247,7 +9247,7 @@
           <a:p>
             <a:fld id="{02AC24A9-CCB6-4F8D-B8DB-C2F3692CFA5A}" type="datetimeFigureOut">
               <a:rPr lang="en-US" smtClean="0"/>
-              <a:t>11/4/24</a:t>
+              <a:t>12/2/24</a:t>
             </a:fld>
             <a:endParaRPr lang="en-US"/>
           </a:p>
@@ -9744,7 +9744,7 @@
           <a:p>
             <a:fld id="{02AC24A9-CCB6-4F8D-B8DB-C2F3692CFA5A}" type="datetimeFigureOut">
               <a:rPr lang="en-US" smtClean="0"/>
-              <a:t>11/4/24</a:t>
+              <a:t>12/2/24</a:t>
             </a:fld>
             <a:endParaRPr lang="en-US" dirty="0"/>
           </a:p>
@@ -10223,7 +10223,7 @@
           <a:p>
             <a:fld id="{02AC24A9-CCB6-4F8D-B8DB-C2F3692CFA5A}" type="datetimeFigureOut">
               <a:rPr lang="en-US" smtClean="0"/>
-              <a:t>11/4/24</a:t>
+              <a:t>12/2/24</a:t>
             </a:fld>
             <a:endParaRPr lang="en-US"/>
           </a:p>
@@ -10466,7 +10466,7 @@
           <a:p>
             <a:fld id="{02AC24A9-CCB6-4F8D-B8DB-C2F3692CFA5A}" type="datetimeFigureOut">
               <a:rPr lang="en-US" smtClean="0"/>
-              <a:t>11/4/24</a:t>
+              <a:t>12/2/24</a:t>
             </a:fld>
             <a:endParaRPr lang="en-US"/>
           </a:p>
@@ -14267,20 +14267,31 @@
           <a:p>
             <a:r>
               <a:rPr lang="en-US" dirty="0"/>
-              <a:t>Demo and code</a:t>
+              <a:t>Data Pipelines</a:t>
             </a:r>
           </a:p>
           <a:p>
             <a:r>
               <a:rPr lang="en-US" dirty="0"/>
-              <a:t>Deliverables</a:t>
+              <a:t>Results</a:t>
             </a:r>
           </a:p>
           <a:p>
             <a:r>
               <a:rPr lang="en-US" dirty="0"/>
-              <a:t>Conclusion</a:t>
-            </a:r>
+              <a:t>Demo</a:t>
+            </a:r>
+          </a:p>
+          <a:p>
+            <a:r>
+              <a:rPr lang="en-US" dirty="0"/>
+              <a:t>Conclusion </a:t>
+            </a:r>
+            <a:r>
+              <a:rPr lang="en-US"/>
+              <a:t>and Future Work</a:t>
+            </a:r>
+            <a:endParaRPr lang="en-US" dirty="0"/>
           </a:p>
         </p:txBody>
       </p:sp>
@@ -18101,20 +18112,20 @@
 </file>
 
 <file path=customXml/item1.xml><?xml version="1.0" encoding="utf-8"?>
+<p:properties xmlns:p="http://schemas.microsoft.com/office/2006/metadata/properties" xmlns:xsi="http://www.w3.org/2001/XMLSchema-instance" xmlns:pc="http://schemas.microsoft.com/office/infopath/2007/PartnerControls">
+  <documentManagement>
+    <_activity xmlns="7075bad5-233c-4b0e-9903-8affd2618abc" xsi:nil="true"/>
+  </documentManagement>
+</p:properties>
+</file>
+
+<file path=customXml/item2.xml><?xml version="1.0" encoding="utf-8"?>
 <?mso-contentType ?>
 <FormTemplates xmlns="http://schemas.microsoft.com/sharepoint/v3/contenttype/forms">
   <Display>DocumentLibraryForm</Display>
   <Edit>DocumentLibraryForm</Edit>
   <New>DocumentLibraryForm</New>
 </FormTemplates>
-</file>
-
-<file path=customXml/item2.xml><?xml version="1.0" encoding="utf-8"?>
-<p:properties xmlns:p="http://schemas.microsoft.com/office/2006/metadata/properties" xmlns:xsi="http://www.w3.org/2001/XMLSchema-instance" xmlns:pc="http://schemas.microsoft.com/office/infopath/2007/PartnerControls">
-  <documentManagement>
-    <_activity xmlns="7075bad5-233c-4b0e-9903-8affd2618abc" xsi:nil="true"/>
-  </documentManagement>
-</p:properties>
 </file>
 
 <file path=customXml/item3.xml><?xml version="1.0" encoding="utf-8"?>
@@ -18307,14 +18318,6 @@
 </file>
 
 <file path=customXml/itemProps1.xml><?xml version="1.0" encoding="utf-8"?>
-<ds:datastoreItem xmlns:ds="http://schemas.openxmlformats.org/officeDocument/2006/customXml" ds:itemID="{6FA10C29-5137-49FA-9F2D-040C21F563DC}">
-  <ds:schemaRefs>
-    <ds:schemaRef ds:uri="http://schemas.microsoft.com/sharepoint/v3/contenttype/forms"/>
-  </ds:schemaRefs>
-</ds:datastoreItem>
-</file>
-
-<file path=customXml/itemProps2.xml><?xml version="1.0" encoding="utf-8"?>
 <ds:datastoreItem xmlns:ds="http://schemas.openxmlformats.org/officeDocument/2006/customXml" ds:itemID="{1EB1D61D-03E6-4AE6-9AEB-4C0517DF9C10}">
   <ds:schemaRefs>
     <ds:schemaRef ds:uri="http://purl.org/dc/terms/"/>
@@ -18327,6 +18330,14 @@
     <ds:schemaRef ds:uri="http://schemas.openxmlformats.org/package/2006/metadata/core-properties"/>
     <ds:schemaRef ds:uri="7075bad5-233c-4b0e-9903-8affd2618abc"/>
     <ds:schemaRef ds:uri="http://schemas.microsoft.com/office/2006/metadata/properties"/>
+  </ds:schemaRefs>
+</ds:datastoreItem>
+</file>
+
+<file path=customXml/itemProps2.xml><?xml version="1.0" encoding="utf-8"?>
+<ds:datastoreItem xmlns:ds="http://schemas.openxmlformats.org/officeDocument/2006/customXml" ds:itemID="{6FA10C29-5137-49FA-9F2D-040C21F563DC}">
+  <ds:schemaRefs>
+    <ds:schemaRef ds:uri="http://schemas.microsoft.com/sharepoint/v3/contenttype/forms"/>
   </ds:schemaRefs>
 </ds:datastoreItem>
 </file>
